--- a/#Section14- 부록 View  Thymeleaf  Jsp 컨버젼.pptx
+++ b/#Section14- 부록 View  Thymeleaf  Jsp 컨버젼.pptx
@@ -6,6 +6,8 @@
   </p:sldMasterIdLst>
   <p:sldIdLst>
     <p:sldId id="267" r:id="rId2"/>
+    <p:sldId id="268" r:id="rId3"/>
+    <p:sldId id="269" r:id="rId4"/>
   </p:sldIdLst>
   <p:sldSz cx="12192000" cy="6858000"/>
   <p:notesSz cx="6858000" cy="9144000"/>
@@ -243,7 +245,7 @@
           <a:p>
             <a:fld id="{1BDE155E-18D0-4AA6-B5E2-4D2CDFF03099}" type="datetimeFigureOut">
               <a:rPr lang="ko-KR" altLang="en-US" smtClean="0"/>
-              <a:t>2023-01-30</a:t>
+              <a:t>2023-01-31</a:t>
             </a:fld>
             <a:endParaRPr lang="ko-KR" altLang="en-US"/>
           </a:p>
@@ -413,7 +415,7 @@
           <a:p>
             <a:fld id="{1BDE155E-18D0-4AA6-B5E2-4D2CDFF03099}" type="datetimeFigureOut">
               <a:rPr lang="ko-KR" altLang="en-US" smtClean="0"/>
-              <a:t>2023-01-30</a:t>
+              <a:t>2023-01-31</a:t>
             </a:fld>
             <a:endParaRPr lang="ko-KR" altLang="en-US"/>
           </a:p>
@@ -593,7 +595,7 @@
           <a:p>
             <a:fld id="{1BDE155E-18D0-4AA6-B5E2-4D2CDFF03099}" type="datetimeFigureOut">
               <a:rPr lang="ko-KR" altLang="en-US" smtClean="0"/>
-              <a:t>2023-01-30</a:t>
+              <a:t>2023-01-31</a:t>
             </a:fld>
             <a:endParaRPr lang="ko-KR" altLang="en-US"/>
           </a:p>
@@ -763,7 +765,7 @@
           <a:p>
             <a:fld id="{1BDE155E-18D0-4AA6-B5E2-4D2CDFF03099}" type="datetimeFigureOut">
               <a:rPr lang="ko-KR" altLang="en-US" smtClean="0"/>
-              <a:t>2023-01-30</a:t>
+              <a:t>2023-01-31</a:t>
             </a:fld>
             <a:endParaRPr lang="ko-KR" altLang="en-US"/>
           </a:p>
@@ -1009,7 +1011,7 @@
           <a:p>
             <a:fld id="{1BDE155E-18D0-4AA6-B5E2-4D2CDFF03099}" type="datetimeFigureOut">
               <a:rPr lang="ko-KR" altLang="en-US" smtClean="0"/>
-              <a:t>2023-01-30</a:t>
+              <a:t>2023-01-31</a:t>
             </a:fld>
             <a:endParaRPr lang="ko-KR" altLang="en-US"/>
           </a:p>
@@ -1241,7 +1243,7 @@
           <a:p>
             <a:fld id="{1BDE155E-18D0-4AA6-B5E2-4D2CDFF03099}" type="datetimeFigureOut">
               <a:rPr lang="ko-KR" altLang="en-US" smtClean="0"/>
-              <a:t>2023-01-30</a:t>
+              <a:t>2023-01-31</a:t>
             </a:fld>
             <a:endParaRPr lang="ko-KR" altLang="en-US"/>
           </a:p>
@@ -1608,7 +1610,7 @@
           <a:p>
             <a:fld id="{1BDE155E-18D0-4AA6-B5E2-4D2CDFF03099}" type="datetimeFigureOut">
               <a:rPr lang="ko-KR" altLang="en-US" smtClean="0"/>
-              <a:t>2023-01-30</a:t>
+              <a:t>2023-01-31</a:t>
             </a:fld>
             <a:endParaRPr lang="ko-KR" altLang="en-US"/>
           </a:p>
@@ -1726,7 +1728,7 @@
           <a:p>
             <a:fld id="{1BDE155E-18D0-4AA6-B5E2-4D2CDFF03099}" type="datetimeFigureOut">
               <a:rPr lang="ko-KR" altLang="en-US" smtClean="0"/>
-              <a:t>2023-01-30</a:t>
+              <a:t>2023-01-31</a:t>
             </a:fld>
             <a:endParaRPr lang="ko-KR" altLang="en-US"/>
           </a:p>
@@ -1821,7 +1823,7 @@
           <a:p>
             <a:fld id="{1BDE155E-18D0-4AA6-B5E2-4D2CDFF03099}" type="datetimeFigureOut">
               <a:rPr lang="ko-KR" altLang="en-US" smtClean="0"/>
-              <a:t>2023-01-30</a:t>
+              <a:t>2023-01-31</a:t>
             </a:fld>
             <a:endParaRPr lang="ko-KR" altLang="en-US"/>
           </a:p>
@@ -2098,7 +2100,7 @@
           <a:p>
             <a:fld id="{1BDE155E-18D0-4AA6-B5E2-4D2CDFF03099}" type="datetimeFigureOut">
               <a:rPr lang="ko-KR" altLang="en-US" smtClean="0"/>
-              <a:t>2023-01-30</a:t>
+              <a:t>2023-01-31</a:t>
             </a:fld>
             <a:endParaRPr lang="ko-KR" altLang="en-US"/>
           </a:p>
@@ -2351,7 +2353,7 @@
           <a:p>
             <a:fld id="{1BDE155E-18D0-4AA6-B5E2-4D2CDFF03099}" type="datetimeFigureOut">
               <a:rPr lang="ko-KR" altLang="en-US" smtClean="0"/>
-              <a:t>2023-01-30</a:t>
+              <a:t>2023-01-31</a:t>
             </a:fld>
             <a:endParaRPr lang="ko-KR" altLang="en-US"/>
           </a:p>
@@ -2564,7 +2566,7 @@
           <a:p>
             <a:fld id="{1BDE155E-18D0-4AA6-B5E2-4D2CDFF03099}" type="datetimeFigureOut">
               <a:rPr lang="ko-KR" altLang="en-US" smtClean="0"/>
-              <a:t>2023-01-30</a:t>
+              <a:t>2023-01-31</a:t>
             </a:fld>
             <a:endParaRPr lang="ko-KR" altLang="en-US"/>
           </a:p>
@@ -4894,6 +4896,2263 @@
 </p:sld>
 </file>
 
+<file path=ppt/slides/slide2.xml><?xml version="1.0" encoding="utf-8"?>
+<p:sld xmlns:a="http://schemas.openxmlformats.org/drawingml/2006/main" xmlns:r="http://schemas.openxmlformats.org/officeDocument/2006/relationships" xmlns:p="http://schemas.openxmlformats.org/presentationml/2006/main">
+  <p:cSld>
+    <p:spTree>
+      <p:nvGrpSpPr>
+        <p:cNvPr id="1" name=""/>
+        <p:cNvGrpSpPr/>
+        <p:nvPr/>
+      </p:nvGrpSpPr>
+      <p:grpSpPr>
+        <a:xfrm>
+          <a:off x="0" y="0"/>
+          <a:ext cx="0" cy="0"/>
+          <a:chOff x="0" y="0"/>
+          <a:chExt cx="0" cy="0"/>
+        </a:xfrm>
+      </p:grpSpPr>
+      <p:cxnSp>
+        <p:nvCxnSpPr>
+          <p:cNvPr id="7" name="직선 연결선 6"/>
+          <p:cNvCxnSpPr/>
+          <p:nvPr/>
+        </p:nvCxnSpPr>
+        <p:spPr>
+          <a:xfrm>
+            <a:off x="4" y="720109"/>
+            <a:ext cx="12192000" cy="0"/>
+          </a:xfrm>
+          <a:prstGeom prst="line">
+            <a:avLst/>
+          </a:prstGeom>
+          <a:ln>
+            <a:solidFill>
+              <a:schemeClr val="tx1"/>
+            </a:solidFill>
+          </a:ln>
+        </p:spPr>
+        <p:style>
+          <a:lnRef idx="1">
+            <a:schemeClr val="accent1"/>
+          </a:lnRef>
+          <a:fillRef idx="0">
+            <a:schemeClr val="accent1"/>
+          </a:fillRef>
+          <a:effectRef idx="0">
+            <a:schemeClr val="accent1"/>
+          </a:effectRef>
+          <a:fontRef idx="minor">
+            <a:schemeClr val="tx1"/>
+          </a:fontRef>
+        </p:style>
+      </p:cxnSp>
+      <p:sp>
+        <p:nvSpPr>
+          <p:cNvPr id="18" name="TextBox 17"/>
+          <p:cNvSpPr txBox="1"/>
+          <p:nvPr/>
+        </p:nvSpPr>
+        <p:spPr>
+          <a:xfrm>
+            <a:off x="476022" y="131137"/>
+            <a:ext cx="5133136" cy="461665"/>
+          </a:xfrm>
+          <a:prstGeom prst="rect">
+            <a:avLst/>
+          </a:prstGeom>
+          <a:noFill/>
+        </p:spPr>
+        <p:txBody>
+          <a:bodyPr wrap="none" rtlCol="0">
+            <a:spAutoFit/>
+          </a:bodyPr>
+          <a:lstStyle/>
+          <a:p>
+            <a:r>
+              <a:rPr lang="ko-KR" altLang="en-US" sz="2400" b="1" dirty="0" smtClean="0"/>
+              <a:t>섹션</a:t>
+            </a:r>
+            <a:r>
+              <a:rPr lang="en-US" altLang="ko-KR" sz="2400" b="1" dirty="0" smtClean="0"/>
+              <a:t>14-4 </a:t>
+            </a:r>
+            <a:r>
+              <a:rPr lang="ko-KR" altLang="en-US" sz="2400" b="1" dirty="0" err="1" smtClean="0"/>
+              <a:t>프론트</a:t>
+            </a:r>
+            <a:r>
+              <a:rPr lang="ko-KR" altLang="en-US" sz="2400" b="1" dirty="0" smtClean="0"/>
+              <a:t> </a:t>
+            </a:r>
+            <a:r>
+              <a:rPr lang="en-US" altLang="ko-KR" sz="2400" b="1" dirty="0" smtClean="0"/>
+              <a:t>– </a:t>
+            </a:r>
+            <a:r>
+              <a:rPr lang="ko-KR" altLang="en-US" sz="2400" b="1" dirty="0" err="1" smtClean="0"/>
+              <a:t>백엔드</a:t>
+            </a:r>
+            <a:r>
+              <a:rPr lang="ko-KR" altLang="en-US" sz="2400" b="1" dirty="0" smtClean="0"/>
+              <a:t> 연결하기</a:t>
+            </a:r>
+            <a:endParaRPr lang="ko-KR" altLang="en-US" sz="2400" b="1" dirty="0"/>
+          </a:p>
+        </p:txBody>
+      </p:sp>
+      <p:sp>
+        <p:nvSpPr>
+          <p:cNvPr id="15" name="TextBox 14"/>
+          <p:cNvSpPr txBox="1"/>
+          <p:nvPr/>
+        </p:nvSpPr>
+        <p:spPr>
+          <a:xfrm>
+            <a:off x="11563453" y="6609916"/>
+            <a:ext cx="628698" cy="246221"/>
+          </a:xfrm>
+          <a:prstGeom prst="rect">
+            <a:avLst/>
+          </a:prstGeom>
+          <a:noFill/>
+        </p:spPr>
+        <p:txBody>
+          <a:bodyPr wrap="none" rtlCol="0">
+            <a:spAutoFit/>
+          </a:bodyPr>
+          <a:lstStyle/>
+          <a:p>
+            <a:r>
+              <a:rPr lang="en-US" altLang="ko-KR" sz="1000" dirty="0" smtClean="0">
+                <a:latin typeface="HY얕은샘물M" panose="02030600000101010101" pitchFamily="18" charset="-127"/>
+                <a:ea typeface="HY얕은샘물M" panose="02030600000101010101" pitchFamily="18" charset="-127"/>
+              </a:rPr>
+              <a:t>IT</a:t>
+            </a:r>
+            <a:r>
+              <a:rPr lang="ko-KR" altLang="en-US" sz="1000" dirty="0" smtClean="0">
+                <a:latin typeface="HY얕은샘물M" panose="02030600000101010101" pitchFamily="18" charset="-127"/>
+                <a:ea typeface="HY얕은샘물M" panose="02030600000101010101" pitchFamily="18" charset="-127"/>
+              </a:rPr>
+              <a:t>늦공 김부장</a:t>
+            </a:r>
+            <a:endParaRPr lang="ko-KR" altLang="en-US" sz="1000" dirty="0">
+              <a:latin typeface="HY얕은샘물M" panose="02030600000101010101" pitchFamily="18" charset="-127"/>
+              <a:ea typeface="HY얕은샘물M" panose="02030600000101010101" pitchFamily="18" charset="-127"/>
+            </a:endParaRPr>
+          </a:p>
+        </p:txBody>
+      </p:sp>
+      <p:pic>
+        <p:nvPicPr>
+          <p:cNvPr id="16" name="그림 15"/>
+          <p:cNvPicPr>
+            <a:picLocks noChangeAspect="1"/>
+          </p:cNvPicPr>
+          <p:nvPr/>
+        </p:nvPicPr>
+        <p:blipFill>
+          <a:blip r:embed="rId2"/>
+          <a:stretch>
+            <a:fillRect/>
+          </a:stretch>
+        </p:blipFill>
+        <p:spPr>
+          <a:xfrm>
+            <a:off x="290753" y="2526961"/>
+            <a:ext cx="1910842" cy="1251790"/>
+          </a:xfrm>
+          <a:prstGeom prst="rect">
+            <a:avLst/>
+          </a:prstGeom>
+          <a:ln>
+            <a:solidFill>
+              <a:schemeClr val="bg1">
+                <a:lumMod val="50000"/>
+              </a:schemeClr>
+            </a:solidFill>
+          </a:ln>
+        </p:spPr>
+      </p:pic>
+      <p:sp>
+        <p:nvSpPr>
+          <p:cNvPr id="19" name="직사각형 18"/>
+          <p:cNvSpPr/>
+          <p:nvPr/>
+        </p:nvSpPr>
+        <p:spPr>
+          <a:xfrm>
+            <a:off x="3069161" y="1819209"/>
+            <a:ext cx="6368798" cy="3925983"/>
+          </a:xfrm>
+          <a:prstGeom prst="rect">
+            <a:avLst/>
+          </a:prstGeom>
+          <a:noFill/>
+          <a:ln>
+            <a:solidFill>
+              <a:schemeClr val="tx1"/>
+            </a:solidFill>
+          </a:ln>
+        </p:spPr>
+        <p:style>
+          <a:lnRef idx="2">
+            <a:schemeClr val="accent1">
+              <a:shade val="50000"/>
+            </a:schemeClr>
+          </a:lnRef>
+          <a:fillRef idx="1">
+            <a:schemeClr val="accent1"/>
+          </a:fillRef>
+          <a:effectRef idx="0">
+            <a:schemeClr val="accent1"/>
+          </a:effectRef>
+          <a:fontRef idx="minor">
+            <a:schemeClr val="lt1"/>
+          </a:fontRef>
+        </p:style>
+        <p:txBody>
+          <a:bodyPr rtlCol="0" anchor="ctr"/>
+          <a:lstStyle/>
+          <a:p>
+            <a:pPr algn="ctr"/>
+            <a:endParaRPr lang="ko-KR" altLang="en-US"/>
+          </a:p>
+        </p:txBody>
+      </p:sp>
+      <p:sp>
+        <p:nvSpPr>
+          <p:cNvPr id="20" name="TextBox 19"/>
+          <p:cNvSpPr txBox="1"/>
+          <p:nvPr/>
+        </p:nvSpPr>
+        <p:spPr>
+          <a:xfrm>
+            <a:off x="5016776" y="1261338"/>
+            <a:ext cx="2144774" cy="468862"/>
+          </a:xfrm>
+          <a:prstGeom prst="rect">
+            <a:avLst/>
+          </a:prstGeom>
+          <a:noFill/>
+        </p:spPr>
+        <p:txBody>
+          <a:bodyPr wrap="none" rtlCol="0">
+            <a:spAutoFit/>
+          </a:bodyPr>
+          <a:lstStyle/>
+          <a:p>
+            <a:r>
+              <a:rPr lang="en-US" altLang="ko-KR" b="1" dirty="0" smtClean="0"/>
+              <a:t>WEB / WAS </a:t>
+            </a:r>
+            <a:r>
+              <a:rPr lang="ko-KR" altLang="en-US" b="1" dirty="0" smtClean="0"/>
+              <a:t>영역</a:t>
+            </a:r>
+            <a:endParaRPr lang="ko-KR" altLang="en-US" b="1" dirty="0"/>
+          </a:p>
+        </p:txBody>
+      </p:sp>
+      <p:sp>
+        <p:nvSpPr>
+          <p:cNvPr id="22" name="Google Shape;61;p13"/>
+          <p:cNvSpPr/>
+          <p:nvPr/>
+        </p:nvSpPr>
+        <p:spPr>
+          <a:xfrm>
+            <a:off x="9938228" y="3278369"/>
+            <a:ext cx="1728277" cy="1665264"/>
+          </a:xfrm>
+          <a:prstGeom prst="can">
+            <a:avLst>
+              <a:gd name="adj" fmla="val 25000"/>
+            </a:avLst>
+          </a:prstGeom>
+          <a:solidFill>
+            <a:schemeClr val="accent3"/>
+          </a:solidFill>
+          <a:ln w="9525" cap="flat" cmpd="sng">
+            <a:solidFill>
+              <a:schemeClr val="dk2"/>
+            </a:solidFill>
+            <a:prstDash val="solid"/>
+            <a:round/>
+            <a:headEnd type="none" w="sm" len="sm"/>
+            <a:tailEnd type="none" w="sm" len="sm"/>
+          </a:ln>
+        </p:spPr>
+        <p:txBody>
+          <a:bodyPr spcFirstLastPara="1" wrap="square" lIns="91425" tIns="91425" rIns="91425" bIns="91425" anchor="t" anchorCtr="0">
+            <a:noAutofit/>
+          </a:bodyPr>
+          <a:lstStyle>
+            <a:defPPr marR="0" lvl="0" algn="l" rtl="0">
+              <a:lnSpc>
+                <a:spcPct val="100000"/>
+              </a:lnSpc>
+              <a:spcBef>
+                <a:spcPts val="0"/>
+              </a:spcBef>
+              <a:spcAft>
+                <a:spcPts val="0"/>
+              </a:spcAft>
+            </a:defPPr>
+            <a:lvl1pPr marR="0" lvl="0" algn="l" rtl="0">
+              <a:lnSpc>
+                <a:spcPct val="100000"/>
+              </a:lnSpc>
+              <a:spcBef>
+                <a:spcPts val="0"/>
+              </a:spcBef>
+              <a:spcAft>
+                <a:spcPts val="0"/>
+              </a:spcAft>
+              <a:buClr>
+                <a:srgbClr val="000000"/>
+              </a:buClr>
+              <a:buFont typeface="Arial"/>
+              <a:defRPr sz="1400" b="0" i="0" u="none" strike="noStrike" cap="none">
+                <a:solidFill>
+                  <a:srgbClr val="000000"/>
+                </a:solidFill>
+                <a:latin typeface="Arial"/>
+                <a:ea typeface="Arial"/>
+                <a:cs typeface="Arial"/>
+                <a:sym typeface="Arial"/>
+              </a:defRPr>
+            </a:lvl1pPr>
+            <a:lvl2pPr marR="0" lvl="1" algn="l" rtl="0">
+              <a:lnSpc>
+                <a:spcPct val="100000"/>
+              </a:lnSpc>
+              <a:spcBef>
+                <a:spcPts val="0"/>
+              </a:spcBef>
+              <a:spcAft>
+                <a:spcPts val="0"/>
+              </a:spcAft>
+              <a:buClr>
+                <a:srgbClr val="000000"/>
+              </a:buClr>
+              <a:buFont typeface="Arial"/>
+              <a:defRPr sz="1400" b="0" i="0" u="none" strike="noStrike" cap="none">
+                <a:solidFill>
+                  <a:srgbClr val="000000"/>
+                </a:solidFill>
+                <a:latin typeface="Arial"/>
+                <a:ea typeface="Arial"/>
+                <a:cs typeface="Arial"/>
+                <a:sym typeface="Arial"/>
+              </a:defRPr>
+            </a:lvl2pPr>
+            <a:lvl3pPr marR="0" lvl="2" algn="l" rtl="0">
+              <a:lnSpc>
+                <a:spcPct val="100000"/>
+              </a:lnSpc>
+              <a:spcBef>
+                <a:spcPts val="0"/>
+              </a:spcBef>
+              <a:spcAft>
+                <a:spcPts val="0"/>
+              </a:spcAft>
+              <a:buClr>
+                <a:srgbClr val="000000"/>
+              </a:buClr>
+              <a:buFont typeface="Arial"/>
+              <a:defRPr sz="1400" b="0" i="0" u="none" strike="noStrike" cap="none">
+                <a:solidFill>
+                  <a:srgbClr val="000000"/>
+                </a:solidFill>
+                <a:latin typeface="Arial"/>
+                <a:ea typeface="Arial"/>
+                <a:cs typeface="Arial"/>
+                <a:sym typeface="Arial"/>
+              </a:defRPr>
+            </a:lvl3pPr>
+            <a:lvl4pPr marR="0" lvl="3" algn="l" rtl="0">
+              <a:lnSpc>
+                <a:spcPct val="100000"/>
+              </a:lnSpc>
+              <a:spcBef>
+                <a:spcPts val="0"/>
+              </a:spcBef>
+              <a:spcAft>
+                <a:spcPts val="0"/>
+              </a:spcAft>
+              <a:buClr>
+                <a:srgbClr val="000000"/>
+              </a:buClr>
+              <a:buFont typeface="Arial"/>
+              <a:defRPr sz="1400" b="0" i="0" u="none" strike="noStrike" cap="none">
+                <a:solidFill>
+                  <a:srgbClr val="000000"/>
+                </a:solidFill>
+                <a:latin typeface="Arial"/>
+                <a:ea typeface="Arial"/>
+                <a:cs typeface="Arial"/>
+                <a:sym typeface="Arial"/>
+              </a:defRPr>
+            </a:lvl4pPr>
+            <a:lvl5pPr marR="0" lvl="4" algn="l" rtl="0">
+              <a:lnSpc>
+                <a:spcPct val="100000"/>
+              </a:lnSpc>
+              <a:spcBef>
+                <a:spcPts val="0"/>
+              </a:spcBef>
+              <a:spcAft>
+                <a:spcPts val="0"/>
+              </a:spcAft>
+              <a:buClr>
+                <a:srgbClr val="000000"/>
+              </a:buClr>
+              <a:buFont typeface="Arial"/>
+              <a:defRPr sz="1400" b="0" i="0" u="none" strike="noStrike" cap="none">
+                <a:solidFill>
+                  <a:srgbClr val="000000"/>
+                </a:solidFill>
+                <a:latin typeface="Arial"/>
+                <a:ea typeface="Arial"/>
+                <a:cs typeface="Arial"/>
+                <a:sym typeface="Arial"/>
+              </a:defRPr>
+            </a:lvl5pPr>
+            <a:lvl6pPr marR="0" lvl="5" algn="l" rtl="0">
+              <a:lnSpc>
+                <a:spcPct val="100000"/>
+              </a:lnSpc>
+              <a:spcBef>
+                <a:spcPts val="0"/>
+              </a:spcBef>
+              <a:spcAft>
+                <a:spcPts val="0"/>
+              </a:spcAft>
+              <a:buClr>
+                <a:srgbClr val="000000"/>
+              </a:buClr>
+              <a:buFont typeface="Arial"/>
+              <a:defRPr sz="1400" b="0" i="0" u="none" strike="noStrike" cap="none">
+                <a:solidFill>
+                  <a:srgbClr val="000000"/>
+                </a:solidFill>
+                <a:latin typeface="Arial"/>
+                <a:ea typeface="Arial"/>
+                <a:cs typeface="Arial"/>
+                <a:sym typeface="Arial"/>
+              </a:defRPr>
+            </a:lvl6pPr>
+            <a:lvl7pPr marR="0" lvl="6" algn="l" rtl="0">
+              <a:lnSpc>
+                <a:spcPct val="100000"/>
+              </a:lnSpc>
+              <a:spcBef>
+                <a:spcPts val="0"/>
+              </a:spcBef>
+              <a:spcAft>
+                <a:spcPts val="0"/>
+              </a:spcAft>
+              <a:buClr>
+                <a:srgbClr val="000000"/>
+              </a:buClr>
+              <a:buFont typeface="Arial"/>
+              <a:defRPr sz="1400" b="0" i="0" u="none" strike="noStrike" cap="none">
+                <a:solidFill>
+                  <a:srgbClr val="000000"/>
+                </a:solidFill>
+                <a:latin typeface="Arial"/>
+                <a:ea typeface="Arial"/>
+                <a:cs typeface="Arial"/>
+                <a:sym typeface="Arial"/>
+              </a:defRPr>
+            </a:lvl7pPr>
+            <a:lvl8pPr marR="0" lvl="7" algn="l" rtl="0">
+              <a:lnSpc>
+                <a:spcPct val="100000"/>
+              </a:lnSpc>
+              <a:spcBef>
+                <a:spcPts val="0"/>
+              </a:spcBef>
+              <a:spcAft>
+                <a:spcPts val="0"/>
+              </a:spcAft>
+              <a:buClr>
+                <a:srgbClr val="000000"/>
+              </a:buClr>
+              <a:buFont typeface="Arial"/>
+              <a:defRPr sz="1400" b="0" i="0" u="none" strike="noStrike" cap="none">
+                <a:solidFill>
+                  <a:srgbClr val="000000"/>
+                </a:solidFill>
+                <a:latin typeface="Arial"/>
+                <a:ea typeface="Arial"/>
+                <a:cs typeface="Arial"/>
+                <a:sym typeface="Arial"/>
+              </a:defRPr>
+            </a:lvl8pPr>
+            <a:lvl9pPr marR="0" lvl="8" algn="l" rtl="0">
+              <a:lnSpc>
+                <a:spcPct val="100000"/>
+              </a:lnSpc>
+              <a:spcBef>
+                <a:spcPts val="0"/>
+              </a:spcBef>
+              <a:spcAft>
+                <a:spcPts val="0"/>
+              </a:spcAft>
+              <a:buClr>
+                <a:srgbClr val="000000"/>
+              </a:buClr>
+              <a:buFont typeface="Arial"/>
+              <a:defRPr sz="1400" b="0" i="0" u="none" strike="noStrike" cap="none">
+                <a:solidFill>
+                  <a:srgbClr val="000000"/>
+                </a:solidFill>
+                <a:latin typeface="Arial"/>
+                <a:ea typeface="Arial"/>
+                <a:cs typeface="Arial"/>
+                <a:sym typeface="Arial"/>
+              </a:defRPr>
+            </a:lvl9pPr>
+          </a:lstStyle>
+          <a:p>
+            <a:pPr marL="0" lvl="0" indent="0" algn="ctr" rtl="0">
+              <a:spcBef>
+                <a:spcPts val="0"/>
+              </a:spcBef>
+              <a:spcAft>
+                <a:spcPts val="0"/>
+              </a:spcAft>
+              <a:buNone/>
+            </a:pPr>
+            <a:r>
+              <a:rPr lang="en-US" altLang="ko" sz="1600" b="1" dirty="0" smtClean="0">
+                <a:solidFill>
+                  <a:srgbClr val="0000FF"/>
+                </a:solidFill>
+              </a:rPr>
+              <a:t>DBMS</a:t>
+            </a:r>
+            <a:endParaRPr sz="1600" b="1" dirty="0">
+              <a:solidFill>
+                <a:srgbClr val="0000FF"/>
+              </a:solidFill>
+            </a:endParaRPr>
+          </a:p>
+        </p:txBody>
+      </p:sp>
+      <p:cxnSp>
+        <p:nvCxnSpPr>
+          <p:cNvPr id="23" name="직선 화살표 연결선 22"/>
+          <p:cNvCxnSpPr/>
+          <p:nvPr/>
+        </p:nvCxnSpPr>
+        <p:spPr>
+          <a:xfrm>
+            <a:off x="4748335" y="2520551"/>
+            <a:ext cx="881852" cy="0"/>
+          </a:xfrm>
+          <a:prstGeom prst="straightConnector1">
+            <a:avLst/>
+          </a:prstGeom>
+          <a:ln w="28575">
+            <a:solidFill>
+              <a:schemeClr val="tx1"/>
+            </a:solidFill>
+            <a:tailEnd type="triangle"/>
+          </a:ln>
+        </p:spPr>
+        <p:style>
+          <a:lnRef idx="1">
+            <a:schemeClr val="accent1"/>
+          </a:lnRef>
+          <a:fillRef idx="0">
+            <a:schemeClr val="accent1"/>
+          </a:fillRef>
+          <a:effectRef idx="0">
+            <a:schemeClr val="accent1"/>
+          </a:effectRef>
+          <a:fontRef idx="minor">
+            <a:schemeClr val="tx1"/>
+          </a:fontRef>
+        </p:style>
+      </p:cxnSp>
+      <p:cxnSp>
+        <p:nvCxnSpPr>
+          <p:cNvPr id="24" name="직선 화살표 연결선 23"/>
+          <p:cNvCxnSpPr/>
+          <p:nvPr/>
+        </p:nvCxnSpPr>
+        <p:spPr>
+          <a:xfrm>
+            <a:off x="7128681" y="2515421"/>
+            <a:ext cx="497784" cy="0"/>
+          </a:xfrm>
+          <a:prstGeom prst="straightConnector1">
+            <a:avLst/>
+          </a:prstGeom>
+          <a:ln w="28575">
+            <a:solidFill>
+              <a:schemeClr val="tx1"/>
+            </a:solidFill>
+            <a:tailEnd type="triangle"/>
+          </a:ln>
+        </p:spPr>
+        <p:style>
+          <a:lnRef idx="1">
+            <a:schemeClr val="accent1"/>
+          </a:lnRef>
+          <a:fillRef idx="0">
+            <a:schemeClr val="accent1"/>
+          </a:fillRef>
+          <a:effectRef idx="0">
+            <a:schemeClr val="accent1"/>
+          </a:effectRef>
+          <a:fontRef idx="minor">
+            <a:schemeClr val="tx1"/>
+          </a:fontRef>
+        </p:style>
+      </p:cxnSp>
+      <p:cxnSp>
+        <p:nvCxnSpPr>
+          <p:cNvPr id="25" name="직선 화살표 연결선 24"/>
+          <p:cNvCxnSpPr/>
+          <p:nvPr/>
+        </p:nvCxnSpPr>
+        <p:spPr>
+          <a:xfrm flipH="1" flipV="1">
+            <a:off x="9075849" y="3323685"/>
+            <a:ext cx="718046" cy="755436"/>
+          </a:xfrm>
+          <a:prstGeom prst="straightConnector1">
+            <a:avLst/>
+          </a:prstGeom>
+          <a:ln w="28575">
+            <a:solidFill>
+              <a:schemeClr val="tx1"/>
+            </a:solidFill>
+            <a:tailEnd type="triangle"/>
+          </a:ln>
+        </p:spPr>
+        <p:style>
+          <a:lnRef idx="1">
+            <a:schemeClr val="accent1"/>
+          </a:lnRef>
+          <a:fillRef idx="0">
+            <a:schemeClr val="accent1"/>
+          </a:fillRef>
+          <a:effectRef idx="0">
+            <a:schemeClr val="accent1"/>
+          </a:effectRef>
+          <a:fontRef idx="minor">
+            <a:schemeClr val="tx1"/>
+          </a:fontRef>
+        </p:style>
+      </p:cxnSp>
+      <p:sp>
+        <p:nvSpPr>
+          <p:cNvPr id="29" name="직사각형 28"/>
+          <p:cNvSpPr/>
+          <p:nvPr/>
+        </p:nvSpPr>
+        <p:spPr>
+          <a:xfrm>
+            <a:off x="3550526" y="2048706"/>
+            <a:ext cx="1457420" cy="1252493"/>
+          </a:xfrm>
+          <a:prstGeom prst="rect">
+            <a:avLst/>
+          </a:prstGeom>
+          <a:solidFill>
+            <a:schemeClr val="accent4">
+              <a:lumMod val="20000"/>
+              <a:lumOff val="80000"/>
+            </a:schemeClr>
+          </a:solidFill>
+          <a:ln>
+            <a:solidFill>
+              <a:schemeClr val="bg1">
+                <a:lumMod val="50000"/>
+              </a:schemeClr>
+            </a:solidFill>
+          </a:ln>
+        </p:spPr>
+        <p:style>
+          <a:lnRef idx="2">
+            <a:schemeClr val="accent1">
+              <a:shade val="50000"/>
+            </a:schemeClr>
+          </a:lnRef>
+          <a:fillRef idx="1">
+            <a:schemeClr val="accent1"/>
+          </a:fillRef>
+          <a:effectRef idx="0">
+            <a:schemeClr val="accent1"/>
+          </a:effectRef>
+          <a:fontRef idx="minor">
+            <a:schemeClr val="lt1"/>
+          </a:fontRef>
+        </p:style>
+        <p:txBody>
+          <a:bodyPr rtlCol="0" anchor="ctr"/>
+          <a:lstStyle/>
+          <a:p>
+            <a:pPr algn="ctr"/>
+            <a:r>
+              <a:rPr lang="en-US" altLang="ko-KR" sz="1400" b="1" dirty="0" smtClean="0">
+                <a:solidFill>
+                  <a:schemeClr val="tx1"/>
+                </a:solidFill>
+              </a:rPr>
+              <a:t>Controller</a:t>
+            </a:r>
+          </a:p>
+          <a:p>
+            <a:pPr algn="ctr"/>
+            <a:endParaRPr lang="en-US" altLang="ko-KR" sz="1400" b="1" dirty="0">
+              <a:solidFill>
+                <a:schemeClr val="tx1"/>
+              </a:solidFill>
+            </a:endParaRPr>
+          </a:p>
+          <a:p>
+            <a:pPr algn="ctr">
+              <a:lnSpc>
+                <a:spcPct val="150000"/>
+              </a:lnSpc>
+            </a:pPr>
+            <a:r>
+              <a:rPr lang="en-US" altLang="ko-KR" sz="1000" dirty="0" smtClean="0">
+                <a:solidFill>
+                  <a:schemeClr val="tx1"/>
+                </a:solidFill>
+              </a:rPr>
+              <a:t>(</a:t>
+            </a:r>
+            <a:r>
+              <a:rPr lang="ko-KR" altLang="en-US" sz="1000" dirty="0" smtClean="0">
+                <a:solidFill>
+                  <a:schemeClr val="tx1"/>
+                </a:solidFill>
+              </a:rPr>
+              <a:t>안내소</a:t>
+            </a:r>
+            <a:r>
+              <a:rPr lang="en-US" altLang="ko-KR" sz="1000" dirty="0" smtClean="0">
+                <a:solidFill>
+                  <a:schemeClr val="tx1"/>
+                </a:solidFill>
+              </a:rPr>
+              <a:t>,</a:t>
+            </a:r>
+          </a:p>
+          <a:p>
+            <a:pPr algn="ctr">
+              <a:lnSpc>
+                <a:spcPct val="150000"/>
+              </a:lnSpc>
+            </a:pPr>
+            <a:r>
+              <a:rPr lang="ko-KR" altLang="en-US" sz="1000" dirty="0" smtClean="0">
+                <a:solidFill>
+                  <a:schemeClr val="tx1"/>
+                </a:solidFill>
+              </a:rPr>
+              <a:t>관제탑</a:t>
+            </a:r>
+            <a:r>
+              <a:rPr lang="en-US" altLang="ko-KR" sz="1000" dirty="0" smtClean="0">
+                <a:solidFill>
+                  <a:schemeClr val="tx1"/>
+                </a:solidFill>
+              </a:rPr>
+              <a:t>)</a:t>
+            </a:r>
+            <a:endParaRPr lang="ko-KR" altLang="en-US" sz="1000" dirty="0">
+              <a:solidFill>
+                <a:schemeClr val="tx1"/>
+              </a:solidFill>
+            </a:endParaRPr>
+          </a:p>
+        </p:txBody>
+      </p:sp>
+      <p:sp>
+        <p:nvSpPr>
+          <p:cNvPr id="30" name="직사각형 29"/>
+          <p:cNvSpPr/>
+          <p:nvPr/>
+        </p:nvSpPr>
+        <p:spPr>
+          <a:xfrm>
+            <a:off x="5634193" y="2048706"/>
+            <a:ext cx="1485414" cy="1252493"/>
+          </a:xfrm>
+          <a:prstGeom prst="rect">
+            <a:avLst/>
+          </a:prstGeom>
+          <a:solidFill>
+            <a:schemeClr val="accent4">
+              <a:lumMod val="20000"/>
+              <a:lumOff val="80000"/>
+            </a:schemeClr>
+          </a:solidFill>
+          <a:ln>
+            <a:solidFill>
+              <a:schemeClr val="bg1">
+                <a:lumMod val="50000"/>
+              </a:schemeClr>
+            </a:solidFill>
+          </a:ln>
+        </p:spPr>
+        <p:style>
+          <a:lnRef idx="2">
+            <a:schemeClr val="accent1">
+              <a:shade val="50000"/>
+            </a:schemeClr>
+          </a:lnRef>
+          <a:fillRef idx="1">
+            <a:schemeClr val="accent1"/>
+          </a:fillRef>
+          <a:effectRef idx="0">
+            <a:schemeClr val="accent1"/>
+          </a:effectRef>
+          <a:fontRef idx="minor">
+            <a:schemeClr val="lt1"/>
+          </a:fontRef>
+        </p:style>
+        <p:txBody>
+          <a:bodyPr rtlCol="0" anchor="ctr"/>
+          <a:lstStyle/>
+          <a:p>
+            <a:pPr algn="ctr"/>
+            <a:r>
+              <a:rPr lang="en-US" altLang="ko-KR" sz="1400" b="1" dirty="0" smtClean="0">
+                <a:solidFill>
+                  <a:schemeClr val="tx1"/>
+                </a:solidFill>
+              </a:rPr>
+              <a:t>Service</a:t>
+            </a:r>
+          </a:p>
+          <a:p>
+            <a:pPr algn="ctr"/>
+            <a:endParaRPr lang="en-US" altLang="ko-KR" sz="1400" b="1" dirty="0">
+              <a:solidFill>
+                <a:schemeClr val="tx1"/>
+              </a:solidFill>
+            </a:endParaRPr>
+          </a:p>
+          <a:p>
+            <a:pPr algn="ctr">
+              <a:lnSpc>
+                <a:spcPct val="150000"/>
+              </a:lnSpc>
+            </a:pPr>
+            <a:r>
+              <a:rPr lang="en-US" altLang="ko-KR" sz="1000" dirty="0" smtClean="0">
+                <a:solidFill>
+                  <a:schemeClr val="tx1"/>
+                </a:solidFill>
+              </a:rPr>
+              <a:t>Login </a:t>
+            </a:r>
+            <a:r>
+              <a:rPr lang="ko-KR" altLang="en-US" sz="1000" dirty="0" smtClean="0">
+                <a:solidFill>
+                  <a:schemeClr val="tx1"/>
+                </a:solidFill>
+              </a:rPr>
+              <a:t>처리</a:t>
+            </a:r>
+            <a:endParaRPr lang="en-US" altLang="ko-KR" sz="1000" dirty="0" smtClean="0">
+              <a:solidFill>
+                <a:schemeClr val="tx1"/>
+              </a:solidFill>
+            </a:endParaRPr>
+          </a:p>
+          <a:p>
+            <a:pPr algn="ctr">
+              <a:lnSpc>
+                <a:spcPct val="150000"/>
+              </a:lnSpc>
+            </a:pPr>
+            <a:r>
+              <a:rPr lang="ko-KR" altLang="en-US" sz="1000" dirty="0" smtClean="0">
+                <a:solidFill>
+                  <a:schemeClr val="tx1"/>
+                </a:solidFill>
+              </a:rPr>
+              <a:t>실제 업무처리</a:t>
+            </a:r>
+            <a:endParaRPr lang="ko-KR" altLang="en-US" sz="1000" dirty="0">
+              <a:solidFill>
+                <a:schemeClr val="tx1"/>
+              </a:solidFill>
+            </a:endParaRPr>
+          </a:p>
+        </p:txBody>
+      </p:sp>
+      <p:sp>
+        <p:nvSpPr>
+          <p:cNvPr id="31" name="직사각형 30"/>
+          <p:cNvSpPr/>
+          <p:nvPr/>
+        </p:nvSpPr>
+        <p:spPr>
+          <a:xfrm>
+            <a:off x="7619070" y="2048706"/>
+            <a:ext cx="1476503" cy="1246805"/>
+          </a:xfrm>
+          <a:prstGeom prst="rect">
+            <a:avLst/>
+          </a:prstGeom>
+          <a:solidFill>
+            <a:schemeClr val="accent4">
+              <a:lumMod val="20000"/>
+              <a:lumOff val="80000"/>
+            </a:schemeClr>
+          </a:solidFill>
+          <a:ln>
+            <a:solidFill>
+              <a:schemeClr val="bg1">
+                <a:lumMod val="50000"/>
+              </a:schemeClr>
+            </a:solidFill>
+          </a:ln>
+        </p:spPr>
+        <p:style>
+          <a:lnRef idx="2">
+            <a:schemeClr val="accent1">
+              <a:shade val="50000"/>
+            </a:schemeClr>
+          </a:lnRef>
+          <a:fillRef idx="1">
+            <a:schemeClr val="accent1"/>
+          </a:fillRef>
+          <a:effectRef idx="0">
+            <a:schemeClr val="accent1"/>
+          </a:effectRef>
+          <a:fontRef idx="minor">
+            <a:schemeClr val="lt1"/>
+          </a:fontRef>
+        </p:style>
+        <p:txBody>
+          <a:bodyPr rtlCol="0" anchor="ctr"/>
+          <a:lstStyle/>
+          <a:p>
+            <a:pPr algn="ctr"/>
+            <a:r>
+              <a:rPr lang="en-US" altLang="ko-KR" sz="1400" b="1" dirty="0" smtClean="0">
+                <a:solidFill>
+                  <a:schemeClr val="tx1"/>
+                </a:solidFill>
+              </a:rPr>
+              <a:t>Dao  or</a:t>
+            </a:r>
+            <a:br>
+              <a:rPr lang="en-US" altLang="ko-KR" sz="1400" b="1" dirty="0" smtClean="0">
+                <a:solidFill>
+                  <a:schemeClr val="tx1"/>
+                </a:solidFill>
+              </a:rPr>
+            </a:br>
+            <a:r>
+              <a:rPr lang="en-US" altLang="ko-KR" sz="1400" b="1" dirty="0" smtClean="0">
+                <a:solidFill>
+                  <a:schemeClr val="tx1"/>
+                </a:solidFill>
+              </a:rPr>
+              <a:t>Repository</a:t>
+            </a:r>
+          </a:p>
+          <a:p>
+            <a:pPr algn="ctr"/>
+            <a:endParaRPr lang="en-US" altLang="ko-KR" sz="1400" b="1" dirty="0">
+              <a:solidFill>
+                <a:schemeClr val="tx1"/>
+              </a:solidFill>
+            </a:endParaRPr>
+          </a:p>
+          <a:p>
+            <a:pPr algn="ctr"/>
+            <a:r>
+              <a:rPr lang="en-US" altLang="ko-KR" sz="1000" dirty="0" smtClean="0">
+                <a:solidFill>
+                  <a:schemeClr val="tx1"/>
+                </a:solidFill>
+              </a:rPr>
+              <a:t>Data </a:t>
+            </a:r>
+            <a:r>
+              <a:rPr lang="ko-KR" altLang="en-US" sz="1000" dirty="0" smtClean="0">
+                <a:solidFill>
+                  <a:schemeClr val="tx1"/>
+                </a:solidFill>
+              </a:rPr>
+              <a:t>처리</a:t>
+            </a:r>
+            <a:endParaRPr lang="ko-KR" altLang="en-US" sz="1400" dirty="0">
+              <a:solidFill>
+                <a:schemeClr val="tx1"/>
+              </a:solidFill>
+            </a:endParaRPr>
+          </a:p>
+        </p:txBody>
+      </p:sp>
+      <p:sp>
+        <p:nvSpPr>
+          <p:cNvPr id="34" name="TextBox 33"/>
+          <p:cNvSpPr txBox="1"/>
+          <p:nvPr/>
+        </p:nvSpPr>
+        <p:spPr>
+          <a:xfrm>
+            <a:off x="9793895" y="2384490"/>
+            <a:ext cx="1094210" cy="830996"/>
+          </a:xfrm>
+          <a:prstGeom prst="rect">
+            <a:avLst/>
+          </a:prstGeom>
+          <a:noFill/>
+        </p:spPr>
+        <p:txBody>
+          <a:bodyPr wrap="none" rtlCol="0">
+            <a:spAutoFit/>
+          </a:bodyPr>
+          <a:lstStyle/>
+          <a:p>
+            <a:r>
+              <a:rPr lang="en-US" altLang="ko-KR" sz="1200" dirty="0" smtClean="0"/>
+              <a:t>jdbc</a:t>
+            </a:r>
+          </a:p>
+          <a:p>
+            <a:r>
+              <a:rPr lang="en-US" altLang="ko-KR" sz="1200" dirty="0" smtClean="0"/>
+              <a:t>jdbctemplate</a:t>
+            </a:r>
+          </a:p>
+          <a:p>
+            <a:r>
+              <a:rPr lang="en-US" altLang="ko-KR" sz="1200" b="1" dirty="0" smtClean="0"/>
+              <a:t>mybatis</a:t>
+            </a:r>
+          </a:p>
+          <a:p>
+            <a:r>
+              <a:rPr lang="en-US" altLang="ko-KR" sz="1200" dirty="0" smtClean="0"/>
+              <a:t>jpa</a:t>
+            </a:r>
+            <a:endParaRPr lang="ko-KR" altLang="en-US" sz="1200" dirty="0"/>
+          </a:p>
+        </p:txBody>
+      </p:sp>
+      <p:sp>
+        <p:nvSpPr>
+          <p:cNvPr id="40" name="아래쪽 화살표 39"/>
+          <p:cNvSpPr/>
+          <p:nvPr/>
+        </p:nvSpPr>
+        <p:spPr>
+          <a:xfrm>
+            <a:off x="3671479" y="3425034"/>
+            <a:ext cx="258313" cy="798316"/>
+          </a:xfrm>
+          <a:prstGeom prst="downArrow">
+            <a:avLst/>
+          </a:prstGeom>
+          <a:solidFill>
+            <a:srgbClr val="7030A0"/>
+          </a:solidFill>
+          <a:ln>
+            <a:noFill/>
+          </a:ln>
+        </p:spPr>
+        <p:style>
+          <a:lnRef idx="2">
+            <a:schemeClr val="accent1">
+              <a:shade val="50000"/>
+            </a:schemeClr>
+          </a:lnRef>
+          <a:fillRef idx="1">
+            <a:schemeClr val="accent1"/>
+          </a:fillRef>
+          <a:effectRef idx="0">
+            <a:schemeClr val="accent1"/>
+          </a:effectRef>
+          <a:fontRef idx="minor">
+            <a:schemeClr val="lt1"/>
+          </a:fontRef>
+        </p:style>
+        <p:txBody>
+          <a:bodyPr rtlCol="0" anchor="ctr"/>
+          <a:lstStyle/>
+          <a:p>
+            <a:pPr algn="ctr"/>
+            <a:endParaRPr lang="ko-KR" altLang="en-US"/>
+          </a:p>
+        </p:txBody>
+      </p:sp>
+      <p:cxnSp>
+        <p:nvCxnSpPr>
+          <p:cNvPr id="41" name="꺾인 연결선 40"/>
+          <p:cNvCxnSpPr>
+            <a:stCxn id="29" idx="2"/>
+            <a:endCxn id="30" idx="2"/>
+          </p:cNvCxnSpPr>
+          <p:nvPr/>
+        </p:nvCxnSpPr>
+        <p:spPr>
+          <a:xfrm rot="16200000" flipH="1">
+            <a:off x="5328068" y="2252367"/>
+            <a:ext cx="12700" cy="2097664"/>
+          </a:xfrm>
+          <a:prstGeom prst="bentConnector3">
+            <a:avLst>
+              <a:gd name="adj1" fmla="val 3090567"/>
+            </a:avLst>
+          </a:prstGeom>
+          <a:ln>
+            <a:solidFill>
+              <a:schemeClr val="tx1"/>
+            </a:solidFill>
+          </a:ln>
+        </p:spPr>
+        <p:style>
+          <a:lnRef idx="1">
+            <a:schemeClr val="accent1"/>
+          </a:lnRef>
+          <a:fillRef idx="0">
+            <a:schemeClr val="accent1"/>
+          </a:fillRef>
+          <a:effectRef idx="0">
+            <a:schemeClr val="accent1"/>
+          </a:effectRef>
+          <a:fontRef idx="minor">
+            <a:schemeClr val="tx1"/>
+          </a:fontRef>
+        </p:style>
+      </p:cxnSp>
+      <p:cxnSp>
+        <p:nvCxnSpPr>
+          <p:cNvPr id="42" name="꺾인 연결선 41"/>
+          <p:cNvCxnSpPr>
+            <a:stCxn id="30" idx="2"/>
+            <a:endCxn id="31" idx="2"/>
+          </p:cNvCxnSpPr>
+          <p:nvPr/>
+        </p:nvCxnSpPr>
+        <p:spPr>
+          <a:xfrm rot="5400000" flipH="1" flipV="1">
+            <a:off x="7364267" y="2308144"/>
+            <a:ext cx="5688" cy="1980422"/>
+          </a:xfrm>
+          <a:prstGeom prst="bentConnector3">
+            <a:avLst>
+              <a:gd name="adj1" fmla="val -6900510"/>
+            </a:avLst>
+          </a:prstGeom>
+          <a:ln>
+            <a:solidFill>
+              <a:schemeClr val="tx1"/>
+            </a:solidFill>
+          </a:ln>
+        </p:spPr>
+        <p:style>
+          <a:lnRef idx="1">
+            <a:schemeClr val="accent1"/>
+          </a:lnRef>
+          <a:fillRef idx="0">
+            <a:schemeClr val="accent1"/>
+          </a:fillRef>
+          <a:effectRef idx="0">
+            <a:schemeClr val="accent1"/>
+          </a:effectRef>
+          <a:fontRef idx="minor">
+            <a:schemeClr val="tx1"/>
+          </a:fontRef>
+        </p:style>
+      </p:cxnSp>
+      <p:sp>
+        <p:nvSpPr>
+          <p:cNvPr id="43" name="직사각형 42"/>
+          <p:cNvSpPr/>
+          <p:nvPr/>
+        </p:nvSpPr>
+        <p:spPr>
+          <a:xfrm>
+            <a:off x="4932237" y="3896664"/>
+            <a:ext cx="1193194" cy="291212"/>
+          </a:xfrm>
+          <a:prstGeom prst="rect">
+            <a:avLst/>
+          </a:prstGeom>
+          <a:noFill/>
+          <a:ln>
+            <a:solidFill>
+              <a:schemeClr val="tx1"/>
+            </a:solidFill>
+          </a:ln>
+        </p:spPr>
+        <p:style>
+          <a:lnRef idx="2">
+            <a:schemeClr val="accent1">
+              <a:shade val="50000"/>
+            </a:schemeClr>
+          </a:lnRef>
+          <a:fillRef idx="1">
+            <a:schemeClr val="accent1"/>
+          </a:fillRef>
+          <a:effectRef idx="0">
+            <a:schemeClr val="accent1"/>
+          </a:effectRef>
+          <a:fontRef idx="minor">
+            <a:schemeClr val="lt1"/>
+          </a:fontRef>
+        </p:style>
+        <p:txBody>
+          <a:bodyPr rtlCol="0" anchor="ctr"/>
+          <a:lstStyle/>
+          <a:p>
+            <a:pPr algn="ctr"/>
+            <a:r>
+              <a:rPr lang="ko-KR" altLang="en-US" sz="1000" dirty="0" smtClean="0">
+                <a:solidFill>
+                  <a:schemeClr val="tx1"/>
+                </a:solidFill>
+              </a:rPr>
+              <a:t>데이터 이동</a:t>
+            </a:r>
+            <a:endParaRPr lang="ko-KR" altLang="en-US" sz="1000" dirty="0">
+              <a:solidFill>
+                <a:schemeClr val="tx1"/>
+              </a:solidFill>
+            </a:endParaRPr>
+          </a:p>
+        </p:txBody>
+      </p:sp>
+      <p:sp>
+        <p:nvSpPr>
+          <p:cNvPr id="44" name="직사각형 43"/>
+          <p:cNvSpPr/>
+          <p:nvPr/>
+        </p:nvSpPr>
+        <p:spPr>
+          <a:xfrm>
+            <a:off x="6583512" y="3896664"/>
+            <a:ext cx="1193194" cy="291212"/>
+          </a:xfrm>
+          <a:prstGeom prst="rect">
+            <a:avLst/>
+          </a:prstGeom>
+          <a:noFill/>
+          <a:ln>
+            <a:solidFill>
+              <a:schemeClr val="tx1"/>
+            </a:solidFill>
+          </a:ln>
+        </p:spPr>
+        <p:style>
+          <a:lnRef idx="2">
+            <a:schemeClr val="accent1">
+              <a:shade val="50000"/>
+            </a:schemeClr>
+          </a:lnRef>
+          <a:fillRef idx="1">
+            <a:schemeClr val="accent1"/>
+          </a:fillRef>
+          <a:effectRef idx="0">
+            <a:schemeClr val="accent1"/>
+          </a:effectRef>
+          <a:fontRef idx="minor">
+            <a:schemeClr val="lt1"/>
+          </a:fontRef>
+        </p:style>
+        <p:txBody>
+          <a:bodyPr rtlCol="0" anchor="ctr"/>
+          <a:lstStyle/>
+          <a:p>
+            <a:pPr algn="ctr"/>
+            <a:r>
+              <a:rPr lang="ko-KR" altLang="en-US" sz="1000" dirty="0" smtClean="0">
+                <a:solidFill>
+                  <a:schemeClr val="tx1"/>
+                </a:solidFill>
+              </a:rPr>
+              <a:t>데이터 이동</a:t>
+            </a:r>
+            <a:endParaRPr lang="ko-KR" altLang="en-US" sz="1000" dirty="0">
+              <a:solidFill>
+                <a:schemeClr val="tx1"/>
+              </a:solidFill>
+            </a:endParaRPr>
+          </a:p>
+        </p:txBody>
+      </p:sp>
+      <p:sp>
+        <p:nvSpPr>
+          <p:cNvPr id="45" name="TextBox 44"/>
+          <p:cNvSpPr txBox="1"/>
+          <p:nvPr/>
+        </p:nvSpPr>
+        <p:spPr>
+          <a:xfrm>
+            <a:off x="5348588" y="4443566"/>
+            <a:ext cx="2069323" cy="639358"/>
+          </a:xfrm>
+          <a:prstGeom prst="rect">
+            <a:avLst/>
+          </a:prstGeom>
+          <a:noFill/>
+          <a:ln>
+            <a:solidFill>
+              <a:schemeClr val="tx1"/>
+            </a:solidFill>
+          </a:ln>
+        </p:spPr>
+        <p:txBody>
+          <a:bodyPr wrap="square" rtlCol="0">
+            <a:spAutoFit/>
+          </a:bodyPr>
+          <a:lstStyle/>
+          <a:p>
+            <a:pPr marL="285750" indent="-285750">
+              <a:lnSpc>
+                <a:spcPct val="150000"/>
+              </a:lnSpc>
+              <a:buFont typeface="Arial" panose="020B0604020202020204" pitchFamily="34" charset="0"/>
+              <a:buChar char="•"/>
+            </a:pPr>
+            <a:r>
+              <a:rPr lang="en-US" altLang="ko-KR" sz="1000" dirty="0" smtClean="0"/>
+              <a:t>Collection(List), Map</a:t>
+            </a:r>
+          </a:p>
+          <a:p>
+            <a:pPr marL="285750" indent="-285750">
+              <a:lnSpc>
+                <a:spcPct val="150000"/>
+              </a:lnSpc>
+              <a:buFont typeface="Arial" panose="020B0604020202020204" pitchFamily="34" charset="0"/>
+              <a:buChar char="•"/>
+            </a:pPr>
+            <a:r>
+              <a:rPr lang="en-US" altLang="ko-KR" sz="1000" dirty="0" smtClean="0"/>
+              <a:t>VO , DTO</a:t>
+            </a:r>
+            <a:endParaRPr lang="ko-KR" altLang="en-US" sz="1000" dirty="0"/>
+          </a:p>
+        </p:txBody>
+      </p:sp>
+      <p:pic>
+        <p:nvPicPr>
+          <p:cNvPr id="52" name="그림 51"/>
+          <p:cNvPicPr>
+            <a:picLocks noChangeAspect="1"/>
+          </p:cNvPicPr>
+          <p:nvPr/>
+        </p:nvPicPr>
+        <p:blipFill>
+          <a:blip r:embed="rId3"/>
+          <a:stretch>
+            <a:fillRect/>
+          </a:stretch>
+        </p:blipFill>
+        <p:spPr>
+          <a:xfrm>
+            <a:off x="10438496" y="4197214"/>
+            <a:ext cx="727740" cy="545805"/>
+          </a:xfrm>
+          <a:prstGeom prst="rect">
+            <a:avLst/>
+          </a:prstGeom>
+          <a:ln>
+            <a:solidFill>
+              <a:schemeClr val="tx1"/>
+            </a:solidFill>
+          </a:ln>
+        </p:spPr>
+      </p:pic>
+      <p:pic>
+        <p:nvPicPr>
+          <p:cNvPr id="53" name="그림 52"/>
+          <p:cNvPicPr>
+            <a:picLocks noChangeAspect="1"/>
+          </p:cNvPicPr>
+          <p:nvPr/>
+        </p:nvPicPr>
+        <p:blipFill>
+          <a:blip r:embed="rId4"/>
+          <a:stretch>
+            <a:fillRect/>
+          </a:stretch>
+        </p:blipFill>
+        <p:spPr>
+          <a:xfrm>
+            <a:off x="7911661" y="3248802"/>
+            <a:ext cx="896782" cy="260517"/>
+          </a:xfrm>
+          <a:prstGeom prst="rect">
+            <a:avLst/>
+          </a:prstGeom>
+        </p:spPr>
+      </p:pic>
+      <p:pic>
+        <p:nvPicPr>
+          <p:cNvPr id="54" name="그림 53"/>
+          <p:cNvPicPr>
+            <a:picLocks noChangeAspect="1"/>
+          </p:cNvPicPr>
+          <p:nvPr/>
+        </p:nvPicPr>
+        <p:blipFill>
+          <a:blip r:embed="rId5"/>
+          <a:stretch>
+            <a:fillRect/>
+          </a:stretch>
+        </p:blipFill>
+        <p:spPr>
+          <a:xfrm>
+            <a:off x="3083605" y="1396714"/>
+            <a:ext cx="898419" cy="416723"/>
+          </a:xfrm>
+          <a:prstGeom prst="rect">
+            <a:avLst/>
+          </a:prstGeom>
+          <a:ln>
+            <a:noFill/>
+          </a:ln>
+        </p:spPr>
+      </p:pic>
+      <p:cxnSp>
+        <p:nvCxnSpPr>
+          <p:cNvPr id="36" name="직선 화살표 연결선 35"/>
+          <p:cNvCxnSpPr/>
+          <p:nvPr/>
+        </p:nvCxnSpPr>
+        <p:spPr>
+          <a:xfrm>
+            <a:off x="5020575" y="2871968"/>
+            <a:ext cx="579114" cy="0"/>
+          </a:xfrm>
+          <a:prstGeom prst="straightConnector1">
+            <a:avLst/>
+          </a:prstGeom>
+          <a:ln w="28575">
+            <a:solidFill>
+              <a:schemeClr val="tx1"/>
+            </a:solidFill>
+            <a:headEnd type="arrow" w="med" len="med"/>
+            <a:tailEnd type="none" w="med" len="med"/>
+          </a:ln>
+        </p:spPr>
+        <p:style>
+          <a:lnRef idx="1">
+            <a:schemeClr val="accent1"/>
+          </a:lnRef>
+          <a:fillRef idx="0">
+            <a:schemeClr val="accent1"/>
+          </a:fillRef>
+          <a:effectRef idx="0">
+            <a:schemeClr val="accent1"/>
+          </a:effectRef>
+          <a:fontRef idx="minor">
+            <a:schemeClr val="tx1"/>
+          </a:fontRef>
+        </p:style>
+      </p:cxnSp>
+      <p:cxnSp>
+        <p:nvCxnSpPr>
+          <p:cNvPr id="48" name="직선 화살표 연결선 47"/>
+          <p:cNvCxnSpPr/>
+          <p:nvPr/>
+        </p:nvCxnSpPr>
+        <p:spPr>
+          <a:xfrm>
+            <a:off x="7135032" y="2871968"/>
+            <a:ext cx="454585" cy="0"/>
+          </a:xfrm>
+          <a:prstGeom prst="straightConnector1">
+            <a:avLst/>
+          </a:prstGeom>
+          <a:ln w="28575">
+            <a:solidFill>
+              <a:schemeClr val="tx1"/>
+            </a:solidFill>
+            <a:headEnd type="arrow" w="med" len="med"/>
+            <a:tailEnd type="none" w="med" len="med"/>
+          </a:ln>
+        </p:spPr>
+        <p:style>
+          <a:lnRef idx="1">
+            <a:schemeClr val="accent1"/>
+          </a:lnRef>
+          <a:fillRef idx="0">
+            <a:schemeClr val="accent1"/>
+          </a:fillRef>
+          <a:effectRef idx="0">
+            <a:schemeClr val="accent1"/>
+          </a:effectRef>
+          <a:fontRef idx="minor">
+            <a:schemeClr val="tx1"/>
+          </a:fontRef>
+        </p:style>
+      </p:cxnSp>
+      <p:cxnSp>
+        <p:nvCxnSpPr>
+          <p:cNvPr id="38" name="직선 화살표 연결선 37"/>
+          <p:cNvCxnSpPr>
+            <a:stCxn id="16" idx="3"/>
+            <a:endCxn id="29" idx="1"/>
+          </p:cNvCxnSpPr>
+          <p:nvPr/>
+        </p:nvCxnSpPr>
+        <p:spPr>
+          <a:xfrm flipV="1">
+            <a:off x="2201595" y="2674953"/>
+            <a:ext cx="1348931" cy="477903"/>
+          </a:xfrm>
+          <a:prstGeom prst="straightConnector1">
+            <a:avLst/>
+          </a:prstGeom>
+          <a:ln w="38100">
+            <a:solidFill>
+              <a:srgbClr val="0000CC"/>
+            </a:solidFill>
+            <a:tailEnd type="triangle"/>
+          </a:ln>
+        </p:spPr>
+        <p:style>
+          <a:lnRef idx="1">
+            <a:schemeClr val="accent1"/>
+          </a:lnRef>
+          <a:fillRef idx="0">
+            <a:schemeClr val="accent1"/>
+          </a:fillRef>
+          <a:effectRef idx="0">
+            <a:schemeClr val="accent1"/>
+          </a:effectRef>
+          <a:fontRef idx="minor">
+            <a:schemeClr val="tx1"/>
+          </a:fontRef>
+        </p:style>
+      </p:cxnSp>
+      <p:cxnSp>
+        <p:nvCxnSpPr>
+          <p:cNvPr id="47" name="직선 화살표 연결선 46"/>
+          <p:cNvCxnSpPr/>
+          <p:nvPr/>
+        </p:nvCxnSpPr>
+        <p:spPr>
+          <a:xfrm flipH="1" flipV="1">
+            <a:off x="2201596" y="3425034"/>
+            <a:ext cx="1035705" cy="870921"/>
+          </a:xfrm>
+          <a:prstGeom prst="straightConnector1">
+            <a:avLst/>
+          </a:prstGeom>
+          <a:ln w="38100">
+            <a:solidFill>
+              <a:srgbClr val="0000CC"/>
+            </a:solidFill>
+            <a:tailEnd type="triangle"/>
+          </a:ln>
+        </p:spPr>
+        <p:style>
+          <a:lnRef idx="1">
+            <a:schemeClr val="accent1"/>
+          </a:lnRef>
+          <a:fillRef idx="0">
+            <a:schemeClr val="accent1"/>
+          </a:fillRef>
+          <a:effectRef idx="0">
+            <a:schemeClr val="accent1"/>
+          </a:effectRef>
+          <a:fontRef idx="minor">
+            <a:schemeClr val="tx1"/>
+          </a:fontRef>
+        </p:style>
+      </p:cxnSp>
+      <p:sp>
+        <p:nvSpPr>
+          <p:cNvPr id="49" name="TextBox 48"/>
+          <p:cNvSpPr txBox="1"/>
+          <p:nvPr/>
+        </p:nvSpPr>
+        <p:spPr>
+          <a:xfrm rot="20374875">
+            <a:off x="2455985" y="2619361"/>
+            <a:ext cx="660758" cy="261610"/>
+          </a:xfrm>
+          <a:prstGeom prst="rect">
+            <a:avLst/>
+          </a:prstGeom>
+          <a:noFill/>
+        </p:spPr>
+        <p:txBody>
+          <a:bodyPr wrap="none" rtlCol="0">
+            <a:spAutoFit/>
+          </a:bodyPr>
+          <a:lstStyle/>
+          <a:p>
+            <a:r>
+              <a:rPr lang="en-US" altLang="ko-KR" sz="1100" dirty="0" smtClean="0"/>
+              <a:t>request</a:t>
+            </a:r>
+            <a:endParaRPr lang="ko-KR" altLang="en-US" sz="1100" dirty="0"/>
+          </a:p>
+        </p:txBody>
+      </p:sp>
+      <p:sp>
+        <p:nvSpPr>
+          <p:cNvPr id="55" name="TextBox 54"/>
+          <p:cNvSpPr txBox="1"/>
+          <p:nvPr/>
+        </p:nvSpPr>
+        <p:spPr>
+          <a:xfrm rot="2670102">
+            <a:off x="2568006" y="3589180"/>
+            <a:ext cx="758541" cy="261610"/>
+          </a:xfrm>
+          <a:prstGeom prst="rect">
+            <a:avLst/>
+          </a:prstGeom>
+          <a:solidFill>
+            <a:schemeClr val="bg1"/>
+          </a:solidFill>
+        </p:spPr>
+        <p:txBody>
+          <a:bodyPr wrap="none" rtlCol="0">
+            <a:spAutoFit/>
+          </a:bodyPr>
+          <a:lstStyle/>
+          <a:p>
+            <a:r>
+              <a:rPr lang="en-US" altLang="ko-KR" sz="1100" dirty="0" smtClean="0"/>
+              <a:t>response</a:t>
+            </a:r>
+            <a:endParaRPr lang="ko-KR" altLang="en-US" sz="1100" dirty="0"/>
+          </a:p>
+        </p:txBody>
+      </p:sp>
+      <p:sp>
+        <p:nvSpPr>
+          <p:cNvPr id="56" name="직사각형 55"/>
+          <p:cNvSpPr/>
+          <p:nvPr/>
+        </p:nvSpPr>
+        <p:spPr>
+          <a:xfrm>
+            <a:off x="3308451" y="4349235"/>
+            <a:ext cx="1197809" cy="1152406"/>
+          </a:xfrm>
+          <a:prstGeom prst="rect">
+            <a:avLst/>
+          </a:prstGeom>
+          <a:solidFill>
+            <a:schemeClr val="accent4">
+              <a:lumMod val="20000"/>
+              <a:lumOff val="80000"/>
+            </a:schemeClr>
+          </a:solidFill>
+          <a:ln>
+            <a:solidFill>
+              <a:schemeClr val="bg1">
+                <a:lumMod val="50000"/>
+              </a:schemeClr>
+            </a:solidFill>
+          </a:ln>
+        </p:spPr>
+        <p:style>
+          <a:lnRef idx="2">
+            <a:schemeClr val="accent1">
+              <a:shade val="50000"/>
+            </a:schemeClr>
+          </a:lnRef>
+          <a:fillRef idx="1">
+            <a:schemeClr val="accent1"/>
+          </a:fillRef>
+          <a:effectRef idx="0">
+            <a:schemeClr val="accent1"/>
+          </a:effectRef>
+          <a:fontRef idx="minor">
+            <a:schemeClr val="lt1"/>
+          </a:fontRef>
+        </p:style>
+        <p:txBody>
+          <a:bodyPr rtlCol="0" anchor="t"/>
+          <a:lstStyle/>
+          <a:p>
+            <a:pPr algn="ctr"/>
+            <a:r>
+              <a:rPr lang="en-US" altLang="ko-KR" sz="1400" b="1" dirty="0" smtClean="0">
+                <a:solidFill>
+                  <a:schemeClr val="tx1"/>
+                </a:solidFill>
+              </a:rPr>
+              <a:t>View</a:t>
+            </a:r>
+          </a:p>
+          <a:p>
+            <a:pPr algn="ctr"/>
+            <a:endParaRPr lang="en-US" altLang="ko-KR" sz="1400" b="1" dirty="0">
+              <a:solidFill>
+                <a:schemeClr val="tx1"/>
+              </a:solidFill>
+            </a:endParaRPr>
+          </a:p>
+          <a:p>
+            <a:pPr algn="ctr">
+              <a:lnSpc>
+                <a:spcPct val="150000"/>
+              </a:lnSpc>
+            </a:pPr>
+            <a:endParaRPr lang="ko-KR" altLang="en-US" sz="1000" dirty="0">
+              <a:solidFill>
+                <a:schemeClr val="tx1"/>
+              </a:solidFill>
+            </a:endParaRPr>
+          </a:p>
+        </p:txBody>
+      </p:sp>
+      <p:cxnSp>
+        <p:nvCxnSpPr>
+          <p:cNvPr id="64" name="직선 화살표 연결선 63"/>
+          <p:cNvCxnSpPr/>
+          <p:nvPr/>
+        </p:nvCxnSpPr>
+        <p:spPr>
+          <a:xfrm>
+            <a:off x="9115299" y="3122363"/>
+            <a:ext cx="719775" cy="776777"/>
+          </a:xfrm>
+          <a:prstGeom prst="straightConnector1">
+            <a:avLst/>
+          </a:prstGeom>
+          <a:ln w="28575">
+            <a:solidFill>
+              <a:schemeClr val="tx1"/>
+            </a:solidFill>
+            <a:tailEnd type="triangle"/>
+          </a:ln>
+        </p:spPr>
+        <p:style>
+          <a:lnRef idx="1">
+            <a:schemeClr val="accent1"/>
+          </a:lnRef>
+          <a:fillRef idx="0">
+            <a:schemeClr val="accent1"/>
+          </a:fillRef>
+          <a:effectRef idx="0">
+            <a:schemeClr val="accent1"/>
+          </a:effectRef>
+          <a:fontRef idx="minor">
+            <a:schemeClr val="tx1"/>
+          </a:fontRef>
+        </p:style>
+      </p:cxnSp>
+      <p:pic>
+        <p:nvPicPr>
+          <p:cNvPr id="2" name="그림 1"/>
+          <p:cNvPicPr>
+            <a:picLocks noChangeAspect="1"/>
+          </p:cNvPicPr>
+          <p:nvPr/>
+        </p:nvPicPr>
+        <p:blipFill>
+          <a:blip r:embed="rId6"/>
+          <a:stretch>
+            <a:fillRect/>
+          </a:stretch>
+        </p:blipFill>
+        <p:spPr>
+          <a:xfrm>
+            <a:off x="3703783" y="4695238"/>
+            <a:ext cx="407143" cy="685378"/>
+          </a:xfrm>
+          <a:prstGeom prst="rect">
+            <a:avLst/>
+          </a:prstGeom>
+          <a:ln>
+            <a:solidFill>
+              <a:schemeClr val="tx1"/>
+            </a:solidFill>
+          </a:ln>
+        </p:spPr>
+      </p:pic>
+      <p:sp>
+        <p:nvSpPr>
+          <p:cNvPr id="4" name="직사각형 3"/>
+          <p:cNvSpPr/>
+          <p:nvPr/>
+        </p:nvSpPr>
+        <p:spPr>
+          <a:xfrm>
+            <a:off x="3069161" y="4207152"/>
+            <a:ext cx="1652044" cy="1521842"/>
+          </a:xfrm>
+          <a:prstGeom prst="rect">
+            <a:avLst/>
+          </a:prstGeom>
+          <a:noFill/>
+          <a:ln w="57150">
+            <a:solidFill>
+              <a:srgbClr val="FF0000"/>
+            </a:solidFill>
+          </a:ln>
+        </p:spPr>
+        <p:style>
+          <a:lnRef idx="2">
+            <a:schemeClr val="accent1">
+              <a:shade val="50000"/>
+            </a:schemeClr>
+          </a:lnRef>
+          <a:fillRef idx="1">
+            <a:schemeClr val="accent1"/>
+          </a:fillRef>
+          <a:effectRef idx="0">
+            <a:schemeClr val="accent1"/>
+          </a:effectRef>
+          <a:fontRef idx="minor">
+            <a:schemeClr val="lt1"/>
+          </a:fontRef>
+        </p:style>
+        <p:txBody>
+          <a:bodyPr rtlCol="0" anchor="ctr"/>
+          <a:lstStyle/>
+          <a:p>
+            <a:pPr algn="ctr"/>
+            <a:endParaRPr lang="ko-KR" altLang="en-US"/>
+          </a:p>
+        </p:txBody>
+      </p:sp>
+    </p:spTree>
+    <p:extLst>
+      <p:ext uri="{BB962C8B-B14F-4D97-AF65-F5344CB8AC3E}">
+        <p14:creationId xmlns:p14="http://schemas.microsoft.com/office/powerpoint/2010/main" val="567538962"/>
+      </p:ext>
+    </p:extLst>
+  </p:cSld>
+  <p:clrMapOvr>
+    <a:masterClrMapping/>
+  </p:clrMapOvr>
+</p:sld>
+</file>
+
+<file path=ppt/slides/slide3.xml><?xml version="1.0" encoding="utf-8"?>
+<p:sld xmlns:a="http://schemas.openxmlformats.org/drawingml/2006/main" xmlns:r="http://schemas.openxmlformats.org/officeDocument/2006/relationships" xmlns:p="http://schemas.openxmlformats.org/presentationml/2006/main">
+  <p:cSld>
+    <p:spTree>
+      <p:nvGrpSpPr>
+        <p:cNvPr id="1" name=""/>
+        <p:cNvGrpSpPr/>
+        <p:nvPr/>
+      </p:nvGrpSpPr>
+      <p:grpSpPr>
+        <a:xfrm>
+          <a:off x="0" y="0"/>
+          <a:ext cx="0" cy="0"/>
+          <a:chOff x="0" y="0"/>
+          <a:chExt cx="0" cy="0"/>
+        </a:xfrm>
+      </p:grpSpPr>
+      <p:cxnSp>
+        <p:nvCxnSpPr>
+          <p:cNvPr id="7" name="직선 연결선 6"/>
+          <p:cNvCxnSpPr/>
+          <p:nvPr/>
+        </p:nvCxnSpPr>
+        <p:spPr>
+          <a:xfrm>
+            <a:off x="4" y="720109"/>
+            <a:ext cx="12192000" cy="0"/>
+          </a:xfrm>
+          <a:prstGeom prst="line">
+            <a:avLst/>
+          </a:prstGeom>
+          <a:ln>
+            <a:solidFill>
+              <a:schemeClr val="tx1"/>
+            </a:solidFill>
+          </a:ln>
+        </p:spPr>
+        <p:style>
+          <a:lnRef idx="1">
+            <a:schemeClr val="accent1"/>
+          </a:lnRef>
+          <a:fillRef idx="0">
+            <a:schemeClr val="accent1"/>
+          </a:fillRef>
+          <a:effectRef idx="0">
+            <a:schemeClr val="accent1"/>
+          </a:effectRef>
+          <a:fontRef idx="minor">
+            <a:schemeClr val="tx1"/>
+          </a:fontRef>
+        </p:style>
+      </p:cxnSp>
+      <p:sp>
+        <p:nvSpPr>
+          <p:cNvPr id="18" name="TextBox 17"/>
+          <p:cNvSpPr txBox="1"/>
+          <p:nvPr/>
+        </p:nvSpPr>
+        <p:spPr>
+          <a:xfrm>
+            <a:off x="476022" y="131137"/>
+            <a:ext cx="5133136" cy="461665"/>
+          </a:xfrm>
+          <a:prstGeom prst="rect">
+            <a:avLst/>
+          </a:prstGeom>
+          <a:noFill/>
+        </p:spPr>
+        <p:txBody>
+          <a:bodyPr wrap="none" rtlCol="0">
+            <a:spAutoFit/>
+          </a:bodyPr>
+          <a:lstStyle/>
+          <a:p>
+            <a:r>
+              <a:rPr lang="ko-KR" altLang="en-US" sz="2400" b="1" dirty="0" smtClean="0"/>
+              <a:t>섹션</a:t>
+            </a:r>
+            <a:r>
+              <a:rPr lang="en-US" altLang="ko-KR" sz="2400" b="1" dirty="0" smtClean="0"/>
+              <a:t>14-4 </a:t>
+            </a:r>
+            <a:r>
+              <a:rPr lang="ko-KR" altLang="en-US" sz="2400" b="1" dirty="0" err="1" smtClean="0"/>
+              <a:t>프론트</a:t>
+            </a:r>
+            <a:r>
+              <a:rPr lang="ko-KR" altLang="en-US" sz="2400" b="1" dirty="0" smtClean="0"/>
+              <a:t> </a:t>
+            </a:r>
+            <a:r>
+              <a:rPr lang="en-US" altLang="ko-KR" sz="2400" b="1" dirty="0" smtClean="0"/>
+              <a:t>– </a:t>
+            </a:r>
+            <a:r>
+              <a:rPr lang="ko-KR" altLang="en-US" sz="2400" b="1" dirty="0" err="1" smtClean="0"/>
+              <a:t>백엔드</a:t>
+            </a:r>
+            <a:r>
+              <a:rPr lang="ko-KR" altLang="en-US" sz="2400" b="1" dirty="0" smtClean="0"/>
+              <a:t> 연결하기</a:t>
+            </a:r>
+            <a:endParaRPr lang="ko-KR" altLang="en-US" sz="2400" b="1" dirty="0"/>
+          </a:p>
+        </p:txBody>
+      </p:sp>
+      <p:sp>
+        <p:nvSpPr>
+          <p:cNvPr id="15" name="TextBox 14"/>
+          <p:cNvSpPr txBox="1"/>
+          <p:nvPr/>
+        </p:nvSpPr>
+        <p:spPr>
+          <a:xfrm>
+            <a:off x="11563453" y="6609916"/>
+            <a:ext cx="628698" cy="246221"/>
+          </a:xfrm>
+          <a:prstGeom prst="rect">
+            <a:avLst/>
+          </a:prstGeom>
+          <a:noFill/>
+        </p:spPr>
+        <p:txBody>
+          <a:bodyPr wrap="none" rtlCol="0">
+            <a:spAutoFit/>
+          </a:bodyPr>
+          <a:lstStyle/>
+          <a:p>
+            <a:r>
+              <a:rPr lang="en-US" altLang="ko-KR" sz="1000" dirty="0" smtClean="0">
+                <a:latin typeface="HY얕은샘물M" panose="02030600000101010101" pitchFamily="18" charset="-127"/>
+                <a:ea typeface="HY얕은샘물M" panose="02030600000101010101" pitchFamily="18" charset="-127"/>
+              </a:rPr>
+              <a:t>IT</a:t>
+            </a:r>
+            <a:r>
+              <a:rPr lang="ko-KR" altLang="en-US" sz="1000" dirty="0" smtClean="0">
+                <a:latin typeface="HY얕은샘물M" panose="02030600000101010101" pitchFamily="18" charset="-127"/>
+                <a:ea typeface="HY얕은샘물M" panose="02030600000101010101" pitchFamily="18" charset="-127"/>
+              </a:rPr>
+              <a:t>늦공 김부장</a:t>
+            </a:r>
+            <a:endParaRPr lang="ko-KR" altLang="en-US" sz="1000" dirty="0">
+              <a:latin typeface="HY얕은샘물M" panose="02030600000101010101" pitchFamily="18" charset="-127"/>
+              <a:ea typeface="HY얕은샘물M" panose="02030600000101010101" pitchFamily="18" charset="-127"/>
+            </a:endParaRPr>
+          </a:p>
+        </p:txBody>
+      </p:sp>
+      <p:sp>
+        <p:nvSpPr>
+          <p:cNvPr id="3" name="TextBox 2"/>
+          <p:cNvSpPr txBox="1"/>
+          <p:nvPr/>
+        </p:nvSpPr>
+        <p:spPr>
+          <a:xfrm>
+            <a:off x="959225" y="966100"/>
+            <a:ext cx="2670924" cy="523220"/>
+          </a:xfrm>
+          <a:prstGeom prst="rect">
+            <a:avLst/>
+          </a:prstGeom>
+          <a:noFill/>
+        </p:spPr>
+        <p:txBody>
+          <a:bodyPr wrap="none" rtlCol="0">
+            <a:spAutoFit/>
+          </a:bodyPr>
+          <a:lstStyle/>
+          <a:p>
+            <a:r>
+              <a:rPr lang="en-US" altLang="ko-KR" sz="2800" b="1" dirty="0" err="1" smtClean="0"/>
+              <a:t>Jsp</a:t>
+            </a:r>
+            <a:r>
+              <a:rPr lang="en-US" altLang="ko-KR" sz="2800" b="1" dirty="0" smtClean="0"/>
+              <a:t>  </a:t>
+            </a:r>
+            <a:r>
+              <a:rPr lang="ko-KR" altLang="en-US" sz="2800" b="1" dirty="0" smtClean="0"/>
+              <a:t>필수 문법 </a:t>
+            </a:r>
+            <a:endParaRPr lang="ko-KR" altLang="en-US" sz="2800" b="1" dirty="0"/>
+          </a:p>
+        </p:txBody>
+      </p:sp>
+      <p:sp>
+        <p:nvSpPr>
+          <p:cNvPr id="39" name="TextBox 38"/>
+          <p:cNvSpPr txBox="1"/>
+          <p:nvPr/>
+        </p:nvSpPr>
+        <p:spPr>
+          <a:xfrm>
+            <a:off x="833718" y="1735310"/>
+            <a:ext cx="8127931" cy="4201150"/>
+          </a:xfrm>
+          <a:prstGeom prst="rect">
+            <a:avLst/>
+          </a:prstGeom>
+          <a:noFill/>
+        </p:spPr>
+        <p:txBody>
+          <a:bodyPr wrap="none" rtlCol="0">
+            <a:spAutoFit/>
+          </a:bodyPr>
+          <a:lstStyle/>
+          <a:p>
+            <a:pPr marL="285750" indent="-285750">
+              <a:lnSpc>
+                <a:spcPct val="150000"/>
+              </a:lnSpc>
+              <a:buFont typeface="Wingdings" panose="05000000000000000000" pitchFamily="2" charset="2"/>
+              <a:buChar char="§"/>
+            </a:pPr>
+            <a:r>
+              <a:rPr lang="en-US" altLang="ko-KR" sz="2000" b="1" dirty="0"/>
+              <a:t>.</a:t>
+            </a:r>
+            <a:r>
+              <a:rPr lang="en-US" altLang="ko-KR" sz="2000" b="1" dirty="0" err="1"/>
+              <a:t>jsp</a:t>
+            </a:r>
+            <a:r>
+              <a:rPr lang="en-US" altLang="ko-KR" sz="2000" b="1" dirty="0"/>
+              <a:t> </a:t>
+            </a:r>
+            <a:r>
+              <a:rPr lang="ko-KR" altLang="en-US" sz="2000" b="1" dirty="0"/>
+              <a:t>파일의 시작은 </a:t>
+            </a:r>
+            <a:r>
+              <a:rPr lang="en-US" altLang="ko-KR" sz="2000" dirty="0"/>
+              <a:t/>
+            </a:r>
+            <a:br>
+              <a:rPr lang="en-US" altLang="ko-KR" sz="2000" dirty="0"/>
+            </a:br>
+            <a:r>
+              <a:rPr lang="en-US" altLang="ko-KR" dirty="0"/>
+              <a:t>&lt;%@ page </a:t>
+            </a:r>
+            <a:r>
+              <a:rPr lang="en-US" altLang="ko-KR" dirty="0" err="1"/>
+              <a:t>contentType</a:t>
+            </a:r>
+            <a:r>
+              <a:rPr lang="en-US" altLang="ko-KR" dirty="0"/>
+              <a:t>="text/</a:t>
+            </a:r>
+            <a:r>
+              <a:rPr lang="en-US" altLang="ko-KR" dirty="0" err="1"/>
+              <a:t>html;charset</a:t>
+            </a:r>
+            <a:r>
+              <a:rPr lang="en-US" altLang="ko-KR" dirty="0"/>
+              <a:t>=UTF-8" language="java" %&gt;</a:t>
+            </a:r>
+            <a:endParaRPr lang="ko-KR" altLang="en-US" dirty="0"/>
+          </a:p>
+          <a:p>
+            <a:pPr>
+              <a:lnSpc>
+                <a:spcPct val="150000"/>
+              </a:lnSpc>
+            </a:pPr>
+            <a:endParaRPr lang="en-US" altLang="ko-KR" sz="2000" b="1" dirty="0" smtClean="0"/>
+          </a:p>
+          <a:p>
+            <a:pPr marL="285750" indent="-285750">
+              <a:lnSpc>
+                <a:spcPct val="150000"/>
+              </a:lnSpc>
+              <a:buFont typeface="Wingdings" panose="05000000000000000000" pitchFamily="2" charset="2"/>
+              <a:buChar char="§"/>
+            </a:pPr>
+            <a:r>
+              <a:rPr lang="ko-KR" altLang="en-US" sz="2000" b="1" dirty="0" smtClean="0"/>
+              <a:t>자바 문법이 </a:t>
+            </a:r>
+            <a:r>
+              <a:rPr lang="ko-KR" altLang="en-US" sz="2000" b="1" dirty="0" err="1" smtClean="0"/>
+              <a:t>필요할때는</a:t>
+            </a:r>
+            <a:r>
+              <a:rPr lang="ko-KR" altLang="en-US" sz="2000" b="1" dirty="0" smtClean="0"/>
+              <a:t> </a:t>
+            </a:r>
+            <a:r>
+              <a:rPr lang="en-US" altLang="ko-KR" sz="2000" b="1" dirty="0" smtClean="0"/>
+              <a:t>: </a:t>
+            </a:r>
+            <a:r>
+              <a:rPr lang="en-US" altLang="ko-KR" dirty="0" smtClean="0"/>
+              <a:t>&lt;%     %&gt;</a:t>
+            </a:r>
+            <a:r>
+              <a:rPr lang="en-US" altLang="ko-KR" sz="2400" dirty="0"/>
+              <a:t/>
+            </a:r>
+            <a:br>
+              <a:rPr lang="en-US" altLang="ko-KR" sz="2400" dirty="0"/>
+            </a:br>
+            <a:endParaRPr lang="en-US" altLang="ko-KR" sz="2400" dirty="0" smtClean="0"/>
+          </a:p>
+          <a:p>
+            <a:pPr marL="285750" indent="-285750">
+              <a:lnSpc>
+                <a:spcPct val="150000"/>
+              </a:lnSpc>
+              <a:buFont typeface="Wingdings" panose="05000000000000000000" pitchFamily="2" charset="2"/>
+              <a:buChar char="§"/>
+            </a:pPr>
+            <a:r>
+              <a:rPr lang="ko-KR" altLang="en-US" sz="2000" b="1" dirty="0" smtClean="0"/>
+              <a:t>자바 변수를 편하게 표현하기 </a:t>
+            </a:r>
+            <a:r>
+              <a:rPr lang="en-US" altLang="ko-KR" sz="2000" b="1" dirty="0" smtClean="0"/>
+              <a:t>: </a:t>
+            </a:r>
+            <a:r>
+              <a:rPr lang="en-US" altLang="ko-KR" dirty="0" smtClean="0"/>
+              <a:t>&lt;%= </a:t>
+            </a:r>
+            <a:r>
+              <a:rPr lang="ko-KR" altLang="en-US" dirty="0" err="1" smtClean="0"/>
+              <a:t>변수명</a:t>
+            </a:r>
+            <a:r>
+              <a:rPr lang="ko-KR" altLang="en-US" dirty="0" smtClean="0"/>
+              <a:t> </a:t>
+            </a:r>
+            <a:r>
+              <a:rPr lang="en-US" altLang="ko-KR" dirty="0" smtClean="0"/>
+              <a:t>%&gt;</a:t>
+            </a:r>
+            <a:endParaRPr lang="en-US" altLang="ko-KR" sz="2000" dirty="0"/>
+          </a:p>
+          <a:p>
+            <a:pPr>
+              <a:lnSpc>
+                <a:spcPct val="150000"/>
+              </a:lnSpc>
+            </a:pPr>
+            <a:endParaRPr lang="en-US" altLang="ko-KR" dirty="0" smtClean="0"/>
+          </a:p>
+          <a:p>
+            <a:pPr marL="285750" indent="-285750">
+              <a:lnSpc>
+                <a:spcPct val="150000"/>
+              </a:lnSpc>
+              <a:buFont typeface="Wingdings" panose="05000000000000000000" pitchFamily="2" charset="2"/>
+              <a:buChar char="§"/>
+            </a:pPr>
+            <a:r>
+              <a:rPr lang="ko-KR" altLang="en-US" sz="2000" b="1" dirty="0" smtClean="0"/>
+              <a:t>파일 </a:t>
+            </a:r>
+            <a:r>
+              <a:rPr lang="en-US" altLang="ko-KR" sz="2000" b="1" dirty="0" smtClean="0"/>
+              <a:t>include </a:t>
+            </a:r>
+            <a:r>
+              <a:rPr lang="ko-KR" altLang="en-US" sz="2000" b="1" dirty="0" smtClean="0"/>
+              <a:t>방법</a:t>
+            </a:r>
+            <a:r>
+              <a:rPr lang="en-US" altLang="ko-KR" dirty="0"/>
+              <a:t/>
+            </a:r>
+            <a:br>
+              <a:rPr lang="en-US" altLang="ko-KR" dirty="0"/>
+            </a:br>
+            <a:r>
+              <a:rPr lang="en-US" altLang="ko-KR" dirty="0"/>
+              <a:t>&lt;%@ include file="/WEB-INF/views/v2/</a:t>
+            </a:r>
+            <a:r>
+              <a:rPr lang="en-US" altLang="ko-KR" dirty="0" err="1"/>
+              <a:t>comm</a:t>
+            </a:r>
+            <a:r>
+              <a:rPr lang="en-US" altLang="ko-KR" dirty="0"/>
+              <a:t>/</a:t>
+            </a:r>
+            <a:r>
+              <a:rPr lang="en-US" altLang="ko-KR" dirty="0" err="1"/>
+              <a:t>header.jsp</a:t>
+            </a:r>
+            <a:r>
+              <a:rPr lang="en-US" altLang="ko-KR" dirty="0" smtClean="0"/>
+              <a:t>"%&gt;</a:t>
+            </a:r>
+          </a:p>
+        </p:txBody>
+      </p:sp>
+    </p:spTree>
+    <p:extLst>
+      <p:ext uri="{BB962C8B-B14F-4D97-AF65-F5344CB8AC3E}">
+        <p14:creationId xmlns:p14="http://schemas.microsoft.com/office/powerpoint/2010/main" val="1304992998"/>
+      </p:ext>
+    </p:extLst>
+  </p:cSld>
+  <p:clrMapOvr>
+    <a:masterClrMapping/>
+  </p:clrMapOvr>
+</p:sld>
+</file>
+
 <file path=ppt/theme/theme1.xml><?xml version="1.0" encoding="utf-8"?>
 <a:theme xmlns:a="http://schemas.openxmlformats.org/drawingml/2006/main" name="Office 테마">
   <a:themeElements>
